--- a/01a-design-inspiration/introduction-slides.pptx
+++ b/01a-design-inspiration/introduction-slides.pptx
@@ -278,7 +278,7 @@
       </p15:sldGuideLst>
     </p:ext>
     <p:ext uri="GoogleSlidesCustomDataVersion2">
-      <go:slidesCustomData xmlns:go="http://customooxmlschemas.google.com/" xmlns:ahyp="http://schemas.microsoft.com/office/drawing/2018/hyperlinkcolor" xmlns:p15="http://schemas.microsoft.com/office/powerpoint/2012/main" xmlns:p14="http://schemas.microsoft.com/office/powerpoint/2010/main" xmlns:com="http://schemas.openxmlformats.org/drawingml/2006/compatibility" xmlns:pvml="urn:schemas-microsoft-com:office:powerpoint" xmlns:v="urn:schemas-microsoft-com:vml" xmlns:o="urn:schemas-microsoft-com:office:office" xmlns:dgm="http://schemas.openxmlformats.org/drawingml/2006/diagram" xmlns:c="http://schemas.openxmlformats.org/drawingml/2006/chart" xmlns:mv="urn:schemas-microsoft-com:mac:vml" xmlns:mc="http://schemas.openxmlformats.org/markup-compatibility/2006" xmlns="" r:id="rId31" roundtripDataSignature="AMtx7mgec6XkJrYLMqIfmNf7DzA/BRS6YA=="/>
+      <go:slidesCustomData xmlns="" xmlns:mc="http://schemas.openxmlformats.org/markup-compatibility/2006" xmlns:mv="urn:schemas-microsoft-com:mac:vml" xmlns:c="http://schemas.openxmlformats.org/drawingml/2006/chart" xmlns:dgm="http://schemas.openxmlformats.org/drawingml/2006/diagram" xmlns:o="urn:schemas-microsoft-com:office:office" xmlns:v="urn:schemas-microsoft-com:vml" xmlns:pvml="urn:schemas-microsoft-com:office:powerpoint" xmlns:com="http://schemas.openxmlformats.org/drawingml/2006/compatibility" xmlns:p14="http://schemas.microsoft.com/office/powerpoint/2010/main" xmlns:p15="http://schemas.microsoft.com/office/powerpoint/2012/main" xmlns:ahyp="http://schemas.microsoft.com/office/drawing/2018/hyperlinkcolor" xmlns:go="http://customooxmlschemas.google.com/" r:id="rId31" roundtripDataSignature="AMtx7mgec6XkJrYLMqIfmNf7DzA/BRS6YA=="/>
     </p:ext>
   </p:extLst>
 </p:presentation>
@@ -12249,7 +12249,7 @@
         <p:fade/>
       </p:transition>
     </mc:Choice>
-    <mc:Fallback xmlns:ahyp="http://schemas.microsoft.com/office/drawing/2018/hyperlinkcolor" xmlns:p15="http://schemas.microsoft.com/office/powerpoint/2012/main" xmlns:com="http://schemas.openxmlformats.org/drawingml/2006/compatibility" xmlns:pvml="urn:schemas-microsoft-com:office:powerpoint" xmlns:v="urn:schemas-microsoft-com:vml" xmlns:o="urn:schemas-microsoft-com:office:office" xmlns:dgm="http://schemas.openxmlformats.org/drawingml/2006/diagram" xmlns:c="http://schemas.openxmlformats.org/drawingml/2006/chart" xmlns:mv="urn:schemas-microsoft-com:mac:vml" xmlns="">
+    <mc:Fallback xmlns="" xmlns:mv="urn:schemas-microsoft-com:mac:vml" xmlns:c="http://schemas.openxmlformats.org/drawingml/2006/chart" xmlns:dgm="http://schemas.openxmlformats.org/drawingml/2006/diagram" xmlns:o="urn:schemas-microsoft-com:office:office" xmlns:v="urn:schemas-microsoft-com:vml" xmlns:pvml="urn:schemas-microsoft-com:office:powerpoint" xmlns:com="http://schemas.openxmlformats.org/drawingml/2006/compatibility" xmlns:p15="http://schemas.microsoft.com/office/powerpoint/2012/main" xmlns:ahyp="http://schemas.microsoft.com/office/drawing/2018/hyperlinkcolor">
       <p:transition spd="slow">
         <p:fade/>
       </p:transition>
@@ -12372,7 +12372,7 @@
         <p:fade/>
       </p:transition>
     </mc:Choice>
-    <mc:Fallback xmlns:ahyp="http://schemas.microsoft.com/office/drawing/2018/hyperlinkcolor" xmlns:p15="http://schemas.microsoft.com/office/powerpoint/2012/main" xmlns:com="http://schemas.openxmlformats.org/drawingml/2006/compatibility" xmlns:pvml="urn:schemas-microsoft-com:office:powerpoint" xmlns:v="urn:schemas-microsoft-com:vml" xmlns:o="urn:schemas-microsoft-com:office:office" xmlns:dgm="http://schemas.openxmlformats.org/drawingml/2006/diagram" xmlns:c="http://schemas.openxmlformats.org/drawingml/2006/chart" xmlns:mv="urn:schemas-microsoft-com:mac:vml" xmlns="">
+    <mc:Fallback xmlns="" xmlns:mv="urn:schemas-microsoft-com:mac:vml" xmlns:c="http://schemas.openxmlformats.org/drawingml/2006/chart" xmlns:dgm="http://schemas.openxmlformats.org/drawingml/2006/diagram" xmlns:o="urn:schemas-microsoft-com:office:office" xmlns:v="urn:schemas-microsoft-com:vml" xmlns:pvml="urn:schemas-microsoft-com:office:powerpoint" xmlns:com="http://schemas.openxmlformats.org/drawingml/2006/compatibility" xmlns:p15="http://schemas.microsoft.com/office/powerpoint/2012/main" xmlns:ahyp="http://schemas.microsoft.com/office/drawing/2018/hyperlinkcolor">
       <p:transition spd="slow">
         <p:fade/>
       </p:transition>
@@ -13231,7 +13231,7 @@
         <p:fade/>
       </p:transition>
     </mc:Choice>
-    <mc:Fallback xmlns:ahyp="http://schemas.microsoft.com/office/drawing/2018/hyperlinkcolor" xmlns:p15="http://schemas.microsoft.com/office/powerpoint/2012/main" xmlns:com="http://schemas.openxmlformats.org/drawingml/2006/compatibility" xmlns:pvml="urn:schemas-microsoft-com:office:powerpoint" xmlns:v="urn:schemas-microsoft-com:vml" xmlns:o="urn:schemas-microsoft-com:office:office" xmlns:dgm="http://schemas.openxmlformats.org/drawingml/2006/diagram" xmlns:c="http://schemas.openxmlformats.org/drawingml/2006/chart" xmlns:mv="urn:schemas-microsoft-com:mac:vml" xmlns="">
+    <mc:Fallback xmlns="" xmlns:mv="urn:schemas-microsoft-com:mac:vml" xmlns:c="http://schemas.openxmlformats.org/drawingml/2006/chart" xmlns:dgm="http://schemas.openxmlformats.org/drawingml/2006/diagram" xmlns:o="urn:schemas-microsoft-com:office:office" xmlns:v="urn:schemas-microsoft-com:vml" xmlns:pvml="urn:schemas-microsoft-com:office:powerpoint" xmlns:com="http://schemas.openxmlformats.org/drawingml/2006/compatibility" xmlns:p15="http://schemas.microsoft.com/office/powerpoint/2012/main" xmlns:ahyp="http://schemas.microsoft.com/office/drawing/2018/hyperlinkcolor">
       <p:transition spd="slow">
         <p:fade/>
       </p:transition>
@@ -13990,7 +13990,7 @@
         <p:fade/>
       </p:transition>
     </mc:Choice>
-    <mc:Fallback xmlns:ahyp="http://schemas.microsoft.com/office/drawing/2018/hyperlinkcolor" xmlns:p15="http://schemas.microsoft.com/office/powerpoint/2012/main" xmlns:com="http://schemas.openxmlformats.org/drawingml/2006/compatibility" xmlns:pvml="urn:schemas-microsoft-com:office:powerpoint" xmlns:v="urn:schemas-microsoft-com:vml" xmlns:o="urn:schemas-microsoft-com:office:office" xmlns:dgm="http://schemas.openxmlformats.org/drawingml/2006/diagram" xmlns:c="http://schemas.openxmlformats.org/drawingml/2006/chart" xmlns:mv="urn:schemas-microsoft-com:mac:vml" xmlns="">
+    <mc:Fallback xmlns="" xmlns:mv="urn:schemas-microsoft-com:mac:vml" xmlns:c="http://schemas.openxmlformats.org/drawingml/2006/chart" xmlns:dgm="http://schemas.openxmlformats.org/drawingml/2006/diagram" xmlns:o="urn:schemas-microsoft-com:office:office" xmlns:v="urn:schemas-microsoft-com:vml" xmlns:pvml="urn:schemas-microsoft-com:office:powerpoint" xmlns:com="http://schemas.openxmlformats.org/drawingml/2006/compatibility" xmlns:p15="http://schemas.microsoft.com/office/powerpoint/2012/main" xmlns:ahyp="http://schemas.microsoft.com/office/drawing/2018/hyperlinkcolor">
       <p:transition spd="slow">
         <p:fade/>
       </p:transition>
@@ -16013,7 +16013,7 @@
         <p:fade/>
       </p:transition>
     </mc:Choice>
-    <mc:Fallback xmlns:ahyp="http://schemas.microsoft.com/office/drawing/2018/hyperlinkcolor" xmlns:p15="http://schemas.microsoft.com/office/powerpoint/2012/main" xmlns:com="http://schemas.openxmlformats.org/drawingml/2006/compatibility" xmlns:pvml="urn:schemas-microsoft-com:office:powerpoint" xmlns:v="urn:schemas-microsoft-com:vml" xmlns:o="urn:schemas-microsoft-com:office:office" xmlns:dgm="http://schemas.openxmlformats.org/drawingml/2006/diagram" xmlns:c="http://schemas.openxmlformats.org/drawingml/2006/chart" xmlns:mv="urn:schemas-microsoft-com:mac:vml" xmlns="">
+    <mc:Fallback xmlns="" xmlns:mv="urn:schemas-microsoft-com:mac:vml" xmlns:c="http://schemas.openxmlformats.org/drawingml/2006/chart" xmlns:dgm="http://schemas.openxmlformats.org/drawingml/2006/diagram" xmlns:o="urn:schemas-microsoft-com:office:office" xmlns:v="urn:schemas-microsoft-com:vml" xmlns:pvml="urn:schemas-microsoft-com:office:powerpoint" xmlns:com="http://schemas.openxmlformats.org/drawingml/2006/compatibility" xmlns:p15="http://schemas.microsoft.com/office/powerpoint/2012/main" xmlns:ahyp="http://schemas.microsoft.com/office/drawing/2018/hyperlinkcolor">
       <p:transition spd="slow">
         <p:fade/>
       </p:transition>
